--- a/MicroPresentation.pptx
+++ b/MicroPresentation.pptx
@@ -3393,7 +3393,7 @@
             </a:r>
             <a:r>
               <a:rPr lang="en-US" dirty="0" err="1"/>
-              <a:t>Meshwaran</a:t>
+              <a:t>Maheshwaran</a:t>
             </a:r>
             <a:r>
               <a:rPr lang="en-US" dirty="0"/>
@@ -4386,13 +4386,8 @@
             </a:r>
             <a:r>
               <a:rPr lang="en-US" dirty="0"/>
-              <a:t>.  John Wiley &amp; Sons, Inc., Hoboken</a:t>
-            </a:r>
-            <a:r>
-              <a:rPr lang="en-US"/>
-              <a:t>, NJ.</a:t>
-            </a:r>
-            <a:endParaRPr lang="en-US" dirty="0"/>
+              <a:t>.  John Wiley &amp; Sons, Inc., Hoboken, NJ.</a:t>
+            </a:r>
           </a:p>
         </p:txBody>
       </p:sp>
